--- a/2018_2/DataStructureDesign/dsdesign.pptx
+++ b/2018_2/DataStructureDesign/dsdesign.pptx
@@ -12,6 +12,7 @@
     <p:sldId id="260" r:id="rId6"/>
     <p:sldId id="261" r:id="rId7"/>
     <p:sldId id="262" r:id="rId8"/>
+    <p:sldId id="263" r:id="rId9"/>
   </p:sldIdLst>
   <p:sldSz cx="12192000" cy="6858000"/>
   <p:notesSz cx="6858000" cy="9144000"/>
@@ -4057,6 +4058,13 @@
   <p:clrMapOvr>
     <a:masterClrMapping/>
   </p:clrMapOvr>
+  <p:timing>
+    <p:tnLst>
+      <p:par>
+        <p:cTn id="1" dur="indefinite" restart="never" nodeType="tmRoot"/>
+      </p:par>
+    </p:tnLst>
+  </p:timing>
 </p:sld>
 </file>
 
@@ -4139,6 +4147,36 @@
           </a:p>
         </p:txBody>
       </p:sp>
+      <p:pic>
+        <p:nvPicPr>
+          <p:cNvPr id="2" name="그림 1"/>
+          <p:cNvPicPr>
+            <a:picLocks noChangeAspect="1"/>
+          </p:cNvPicPr>
+          <p:nvPr/>
+        </p:nvPicPr>
+        <p:blipFill>
+          <a:blip r:embed="rId2">
+            <a:extLst>
+              <a:ext uri="{28A0092B-C50C-407E-A947-70E740481C1C}">
+                <a14:useLocalDpi xmlns:a14="http://schemas.microsoft.com/office/drawing/2010/main" val="0"/>
+              </a:ext>
+            </a:extLst>
+          </a:blip>
+          <a:stretch>
+            <a:fillRect/>
+          </a:stretch>
+        </p:blipFill>
+        <p:spPr>
+          <a:xfrm>
+            <a:off x="1894070" y="1629132"/>
+            <a:ext cx="8403860" cy="4852351"/>
+          </a:xfrm>
+          <a:prstGeom prst="rect">
+            <a:avLst/>
+          </a:prstGeom>
+        </p:spPr>
+      </p:pic>
     </p:spTree>
     <p:extLst>
       <p:ext uri="{BB962C8B-B14F-4D97-AF65-F5344CB8AC3E}">
@@ -4149,6 +4187,13 @@
   <p:clrMapOvr>
     <a:masterClrMapping/>
   </p:clrMapOvr>
+  <p:timing>
+    <p:tnLst>
+      <p:par>
+        <p:cTn id="1" dur="indefinite" restart="never" nodeType="tmRoot"/>
+      </p:par>
+    </p:tnLst>
+  </p:timing>
 </p:sld>
 </file>
 
@@ -4231,6 +4276,66 @@
           </a:p>
         </p:txBody>
       </p:sp>
+      <p:sp>
+        <p:nvSpPr>
+          <p:cNvPr id="6" name="텍스트 상자 5"/>
+          <p:cNvSpPr txBox="1"/>
+          <p:nvPr/>
+        </p:nvSpPr>
+        <p:spPr>
+          <a:xfrm>
+            <a:off x="591670" y="2931459"/>
+            <a:ext cx="4020671" cy="707886"/>
+          </a:xfrm>
+          <a:prstGeom prst="rect">
+            <a:avLst/>
+          </a:prstGeom>
+          <a:noFill/>
+        </p:spPr>
+        <p:txBody>
+          <a:bodyPr wrap="square" rtlCol="0">
+            <a:spAutoFit/>
+          </a:bodyPr>
+          <a:lstStyle/>
+          <a:p>
+            <a:r>
+              <a:rPr kumimoji="1" lang="en-US" altLang="ko-KR" sz="4000" dirty="0" err="1" smtClean="0"/>
+              <a:t>BackTracking</a:t>
+            </a:r>
+            <a:endParaRPr kumimoji="1" lang="en-US" altLang="ko-KR" dirty="0" smtClean="0"/>
+          </a:p>
+        </p:txBody>
+      </p:sp>
+      <p:pic>
+        <p:nvPicPr>
+          <p:cNvPr id="7" name="그림 6"/>
+          <p:cNvPicPr>
+            <a:picLocks noChangeAspect="1"/>
+          </p:cNvPicPr>
+          <p:nvPr/>
+        </p:nvPicPr>
+        <p:blipFill>
+          <a:blip r:embed="rId2">
+            <a:extLst>
+              <a:ext uri="{28A0092B-C50C-407E-A947-70E740481C1C}">
+                <a14:useLocalDpi xmlns:a14="http://schemas.microsoft.com/office/drawing/2010/main" val="0"/>
+              </a:ext>
+            </a:extLst>
+          </a:blip>
+          <a:stretch>
+            <a:fillRect/>
+          </a:stretch>
+        </p:blipFill>
+        <p:spPr>
+          <a:xfrm>
+            <a:off x="4329953" y="1696367"/>
+            <a:ext cx="7664823" cy="5008872"/>
+          </a:xfrm>
+          <a:prstGeom prst="rect">
+            <a:avLst/>
+          </a:prstGeom>
+        </p:spPr>
+      </p:pic>
     </p:spTree>
     <p:extLst>
       <p:ext uri="{BB962C8B-B14F-4D97-AF65-F5344CB8AC3E}">
@@ -4241,6 +4346,113 @@
   <p:clrMapOvr>
     <a:masterClrMapping/>
   </p:clrMapOvr>
+  <p:timing>
+    <p:tnLst>
+      <p:par>
+        <p:cTn id="1" dur="indefinite" restart="never" nodeType="tmRoot"/>
+      </p:par>
+    </p:tnLst>
+  </p:timing>
+</p:sld>
+</file>
+
+<file path=ppt/slides/slide8.xml><?xml version="1.0" encoding="utf-8"?>
+<p:sld xmlns:a="http://schemas.openxmlformats.org/drawingml/2006/main" xmlns:r="http://schemas.openxmlformats.org/officeDocument/2006/relationships" xmlns:p="http://schemas.openxmlformats.org/presentationml/2006/main">
+  <p:cSld>
+    <p:spTree>
+      <p:nvGrpSpPr>
+        <p:cNvPr id="1" name=""/>
+        <p:cNvGrpSpPr/>
+        <p:nvPr/>
+      </p:nvGrpSpPr>
+      <p:grpSpPr>
+        <a:xfrm>
+          <a:off x="0" y="0"/>
+          <a:ext cx="0" cy="0"/>
+          <a:chOff x="0" y="0"/>
+          <a:chExt cx="0" cy="0"/>
+        </a:xfrm>
+      </p:grpSpPr>
+      <p:sp>
+        <p:nvSpPr>
+          <p:cNvPr id="4" name="제목 1"/>
+          <p:cNvSpPr txBox="1">
+            <a:spLocks/>
+          </p:cNvSpPr>
+          <p:nvPr/>
+        </p:nvSpPr>
+        <p:spPr>
+          <a:xfrm>
+            <a:off x="0" y="2635623"/>
+            <a:ext cx="12192000" cy="1440873"/>
+          </a:xfrm>
+          <a:prstGeom prst="rect">
+            <a:avLst/>
+          </a:prstGeom>
+          <a:solidFill>
+            <a:srgbClr val="4472C4">
+              <a:alpha val="71765"/>
+            </a:srgbClr>
+          </a:solidFill>
+        </p:spPr>
+        <p:txBody>
+          <a:bodyPr vert="horz" lIns="91440" tIns="45720" rIns="91440" bIns="45720" rtlCol="0" anchor="ctr">
+            <a:normAutofit/>
+          </a:bodyPr>
+          <a:lstStyle>
+            <a:lvl1pPr algn="l" defTabSz="914400" rtl="0" eaLnBrk="1" latinLnBrk="1" hangingPunct="1">
+              <a:lnSpc>
+                <a:spcPct val="90000"/>
+              </a:lnSpc>
+              <a:spcBef>
+                <a:spcPct val="0"/>
+              </a:spcBef>
+              <a:buNone/>
+              <a:defRPr sz="4400" kern="1200">
+                <a:solidFill>
+                  <a:schemeClr val="tx1"/>
+                </a:solidFill>
+                <a:latin typeface="+mj-lt"/>
+                <a:ea typeface="+mj-ea"/>
+                <a:cs typeface="+mj-cs"/>
+              </a:defRPr>
+            </a:lvl1pPr>
+          </a:lstStyle>
+          <a:p>
+            <a:pPr algn="ctr"/>
+            <a:r>
+              <a:rPr kumimoji="1" lang="en-US" altLang="ko-KR" dirty="0" smtClean="0">
+                <a:solidFill>
+                  <a:schemeClr val="bg1"/>
+                </a:solidFill>
+              </a:rPr>
+              <a:t>Thank You</a:t>
+            </a:r>
+            <a:endParaRPr kumimoji="1" lang="ko-KR" altLang="en-US" dirty="0">
+              <a:solidFill>
+                <a:schemeClr val="bg1"/>
+              </a:solidFill>
+            </a:endParaRPr>
+          </a:p>
+        </p:txBody>
+      </p:sp>
+    </p:spTree>
+    <p:extLst>
+      <p:ext uri="{BB962C8B-B14F-4D97-AF65-F5344CB8AC3E}">
+        <p14:creationId xmlns:p14="http://schemas.microsoft.com/office/powerpoint/2010/main" val="656223790"/>
+      </p:ext>
+    </p:extLst>
+  </p:cSld>
+  <p:clrMapOvr>
+    <a:masterClrMapping/>
+  </p:clrMapOvr>
+  <p:timing>
+    <p:tnLst>
+      <p:par>
+        <p:cTn id="1" dur="indefinite" restart="never" nodeType="tmRoot"/>
+      </p:par>
+    </p:tnLst>
+  </p:timing>
 </p:sld>
 </file>
 
